--- a/Final Presentation.pptx
+++ b/Final Presentation.pptx
@@ -5,11 +5,12 @@
     <p:sldMasterId id="2147483648" r:id="rId1"/>
   </p:sldMasterIdLst>
   <p:notesMasterIdLst>
-    <p:notesMasterId r:id="rId4"/>
+    <p:notesMasterId r:id="rId5"/>
   </p:notesMasterIdLst>
   <p:sldIdLst>
     <p:sldId id="256" r:id="rId2"/>
-    <p:sldId id="257" r:id="rId3"/>
+    <p:sldId id="258" r:id="rId3"/>
+    <p:sldId id="257" r:id="rId4"/>
   </p:sldIdLst>
   <p:sldSz cx="12192000" cy="6858000"/>
   <p:notesSz cx="6858000" cy="9144000"/>
@@ -108,6 +109,11 @@
       </a:defRPr>
     </a:lvl9pPr>
   </p:defaultTextStyle>
+  <p:extLst>
+    <p:ext uri="{EFAFB233-063F-42B5-8137-9DF3F51BA10A}">
+      <p15:sldGuideLst xmlns:p15="http://schemas.microsoft.com/office/powerpoint/2012/main"/>
+    </p:ext>
+  </p:extLst>
 </p:presentation>
 </file>
 
@@ -4943,56 +4949,570 @@
           <a:chExt cx="0" cy="0"/>
         </a:xfrm>
       </p:grpSpPr>
-      <p:sp>
-        <p:nvSpPr>
-          <p:cNvPr id="2" name="Title 1">
-            <a:extLst>
-              <a:ext uri="{FF2B5EF4-FFF2-40B4-BE49-F238E27FC236}">
-                <a16:creationId xmlns:a16="http://schemas.microsoft.com/office/drawing/2014/main" id="{ED7A50F7-3058-F825-89EE-5FB368E7EE98}"/>
-              </a:ext>
-            </a:extLst>
-          </p:cNvPr>
-          <p:cNvSpPr>
-            <a:spLocks noGrp="1"/>
-          </p:cNvSpPr>
-          <p:nvPr>
-            <p:ph type="title"/>
-          </p:nvPr>
-        </p:nvSpPr>
-        <p:spPr/>
-        <p:txBody>
-          <a:bodyPr/>
-          <a:lstStyle/>
-          <a:p>
-            <a:endParaRPr lang="en-US"/>
-          </a:p>
-        </p:txBody>
-      </p:sp>
-      <p:sp>
-        <p:nvSpPr>
-          <p:cNvPr id="3" name="Content Placeholder 2">
-            <a:extLst>
-              <a:ext uri="{FF2B5EF4-FFF2-40B4-BE49-F238E27FC236}">
-                <a16:creationId xmlns:a16="http://schemas.microsoft.com/office/drawing/2014/main" id="{FA02A2A1-46DD-6C4D-6E4D-2766E543A7B0}"/>
-              </a:ext>
-            </a:extLst>
-          </p:cNvPr>
-          <p:cNvSpPr>
-            <a:spLocks noGrp="1"/>
-          </p:cNvSpPr>
-          <p:nvPr>
-            <p:ph idx="1"/>
-          </p:nvPr>
-        </p:nvSpPr>
-        <p:spPr/>
-        <p:txBody>
-          <a:bodyPr/>
-          <a:lstStyle/>
-          <a:p>
-            <a:endParaRPr lang="en-US"/>
-          </a:p>
-        </p:txBody>
-      </p:sp>
+      <p:pic>
+        <p:nvPicPr>
+          <p:cNvPr id="3" name="Picture 2" descr="A collage of graphs&#10;&#10;Description automatically generated">
+            <a:extLst>
+              <a:ext uri="{FF2B5EF4-FFF2-40B4-BE49-F238E27FC236}">
+                <a16:creationId xmlns:a16="http://schemas.microsoft.com/office/drawing/2014/main" id="{9BF17731-98EB-8556-59D3-EA9BBF1166CF}"/>
+              </a:ext>
+            </a:extLst>
+          </p:cNvPr>
+          <p:cNvPicPr>
+            <a:picLocks noChangeAspect="1"/>
+          </p:cNvPicPr>
+          <p:nvPr/>
+        </p:nvPicPr>
+        <p:blipFill>
+          <a:blip r:embed="rId2">
+            <a:extLst>
+              <a:ext uri="{28A0092B-C50C-407E-A947-70E740481C1C}">
+                <a14:useLocalDpi xmlns:a14="http://schemas.microsoft.com/office/drawing/2010/main" val="0"/>
+              </a:ext>
+            </a:extLst>
+          </a:blip>
+          <a:stretch>
+            <a:fillRect/>
+          </a:stretch>
+        </p:blipFill>
+        <p:spPr>
+          <a:xfrm>
+            <a:off x="8048587" y="101600"/>
+            <a:ext cx="9046135" cy="6858000"/>
+          </a:xfrm>
+          <a:prstGeom prst="rect">
+            <a:avLst/>
+          </a:prstGeom>
+        </p:spPr>
+      </p:pic>
+      <p:pic>
+        <p:nvPicPr>
+          <p:cNvPr id="5" name="Picture 4" descr="A collage of graphs&#10;&#10;Description automatically generated">
+            <a:extLst>
+              <a:ext uri="{FF2B5EF4-FFF2-40B4-BE49-F238E27FC236}">
+                <a16:creationId xmlns:a16="http://schemas.microsoft.com/office/drawing/2014/main" id="{27083182-1C5E-F9A6-378A-F5AAC189982D}"/>
+              </a:ext>
+            </a:extLst>
+          </p:cNvPr>
+          <p:cNvPicPr>
+            <a:picLocks noChangeAspect="1"/>
+          </p:cNvPicPr>
+          <p:nvPr/>
+        </p:nvPicPr>
+        <p:blipFill>
+          <a:blip r:embed="rId3">
+            <a:extLst>
+              <a:ext uri="{28A0092B-C50C-407E-A947-70E740481C1C}">
+                <a14:useLocalDpi xmlns:a14="http://schemas.microsoft.com/office/drawing/2010/main" val="0"/>
+              </a:ext>
+            </a:extLst>
+          </a:blip>
+          <a:stretch>
+            <a:fillRect/>
+          </a:stretch>
+        </p:blipFill>
+        <p:spPr>
+          <a:xfrm>
+            <a:off x="-997548" y="66040"/>
+            <a:ext cx="9046135" cy="6858000"/>
+          </a:xfrm>
+          <a:prstGeom prst="rect">
+            <a:avLst/>
+          </a:prstGeom>
+        </p:spPr>
+      </p:pic>
+    </p:spTree>
+    <p:extLst>
+      <p:ext uri="{BB962C8B-B14F-4D97-AF65-F5344CB8AC3E}">
+        <p14:creationId xmlns:p14="http://schemas.microsoft.com/office/powerpoint/2010/main" val="2292005629"/>
+      </p:ext>
+    </p:extLst>
+  </p:cSld>
+  <p:clrMapOvr>
+    <a:masterClrMapping/>
+  </p:clrMapOvr>
+</p:sld>
+</file>
+
+<file path=ppt/slides/slide3.xml><?xml version="1.0" encoding="utf-8"?>
+<p:sld xmlns:a="http://schemas.openxmlformats.org/drawingml/2006/main" xmlns:r="http://schemas.openxmlformats.org/officeDocument/2006/relationships" xmlns:p="http://schemas.openxmlformats.org/presentationml/2006/main">
+  <p:cSld>
+    <p:spTree>
+      <p:nvGrpSpPr>
+        <p:cNvPr id="1" name=""/>
+        <p:cNvGrpSpPr/>
+        <p:nvPr/>
+      </p:nvGrpSpPr>
+      <p:grpSpPr>
+        <a:xfrm>
+          <a:off x="0" y="0"/>
+          <a:ext cx="0" cy="0"/>
+          <a:chOff x="0" y="0"/>
+          <a:chExt cx="0" cy="0"/>
+        </a:xfrm>
+      </p:grpSpPr>
+      <p:grpSp>
+        <p:nvGrpSpPr>
+          <p:cNvPr id="16" name="Group 15">
+            <a:extLst>
+              <a:ext uri="{FF2B5EF4-FFF2-40B4-BE49-F238E27FC236}">
+                <a16:creationId xmlns:a16="http://schemas.microsoft.com/office/drawing/2014/main" id="{BF99BD21-57D7-1504-B8AB-BD31BE0623B7}"/>
+              </a:ext>
+            </a:extLst>
+          </p:cNvPr>
+          <p:cNvGrpSpPr/>
+          <p:nvPr/>
+        </p:nvGrpSpPr>
+        <p:grpSpPr>
+          <a:xfrm>
+            <a:off x="585259" y="2346651"/>
+            <a:ext cx="7125317" cy="3566469"/>
+            <a:chOff x="300779" y="3037531"/>
+            <a:chExt cx="7125317" cy="3566469"/>
+          </a:xfrm>
+        </p:grpSpPr>
+        <p:pic>
+          <p:nvPicPr>
+            <p:cNvPr id="7" name="Picture 6">
+              <a:extLst>
+                <a:ext uri="{FF2B5EF4-FFF2-40B4-BE49-F238E27FC236}">
+                  <a16:creationId xmlns:a16="http://schemas.microsoft.com/office/drawing/2014/main" id="{775C9397-0047-5941-873C-C4D816D35AD7}"/>
+                </a:ext>
+              </a:extLst>
+            </p:cNvPr>
+            <p:cNvPicPr>
+              <a:picLocks noChangeAspect="1"/>
+            </p:cNvPicPr>
+            <p:nvPr/>
+          </p:nvPicPr>
+          <p:blipFill>
+            <a:blip r:embed="rId2"/>
+            <a:stretch>
+              <a:fillRect/>
+            </a:stretch>
+          </p:blipFill>
+          <p:spPr>
+            <a:xfrm>
+              <a:off x="300779" y="3037531"/>
+              <a:ext cx="7125317" cy="3566469"/>
+            </a:xfrm>
+            <a:prstGeom prst="rect">
+              <a:avLst/>
+            </a:prstGeom>
+            <a:ln w="9525">
+              <a:solidFill>
+                <a:schemeClr val="tx1"/>
+              </a:solidFill>
+            </a:ln>
+          </p:spPr>
+        </p:pic>
+        <p:sp>
+          <p:nvSpPr>
+            <p:cNvPr id="10" name="Rectangle 9">
+              <a:extLst>
+                <a:ext uri="{FF2B5EF4-FFF2-40B4-BE49-F238E27FC236}">
+                  <a16:creationId xmlns:a16="http://schemas.microsoft.com/office/drawing/2014/main" id="{45DD0222-E158-E632-85EB-DD7D3A9845F3}"/>
+                </a:ext>
+              </a:extLst>
+            </p:cNvPr>
+            <p:cNvSpPr/>
+            <p:nvPr/>
+          </p:nvSpPr>
+          <p:spPr>
+            <a:xfrm>
+              <a:off x="338746" y="4104640"/>
+              <a:ext cx="1249282" cy="843280"/>
+            </a:xfrm>
+            <a:prstGeom prst="rect">
+              <a:avLst/>
+            </a:prstGeom>
+            <a:solidFill>
+              <a:schemeClr val="accent6">
+                <a:lumMod val="50000"/>
+                <a:alpha val="6000"/>
+              </a:schemeClr>
+            </a:solidFill>
+            <a:ln w="9525"/>
+          </p:spPr>
+          <p:style>
+            <a:lnRef idx="2">
+              <a:schemeClr val="accent6"/>
+            </a:lnRef>
+            <a:fillRef idx="1">
+              <a:schemeClr val="lt1"/>
+            </a:fillRef>
+            <a:effectRef idx="0">
+              <a:schemeClr val="accent6"/>
+            </a:effectRef>
+            <a:fontRef idx="minor">
+              <a:schemeClr val="dk1"/>
+            </a:fontRef>
+          </p:style>
+          <p:txBody>
+            <a:bodyPr rtlCol="0" anchor="ctr"/>
+            <a:lstStyle/>
+            <a:p>
+              <a:pPr algn="ctr"/>
+              <a:endParaRPr lang="en-US" dirty="0"/>
+            </a:p>
+          </p:txBody>
+        </p:sp>
+        <p:sp>
+          <p:nvSpPr>
+            <p:cNvPr id="12" name="Rectangle 11">
+              <a:extLst>
+                <a:ext uri="{FF2B5EF4-FFF2-40B4-BE49-F238E27FC236}">
+                  <a16:creationId xmlns:a16="http://schemas.microsoft.com/office/drawing/2014/main" id="{A4331AD2-A55A-8A37-A1E9-E46E433604A1}"/>
+                </a:ext>
+              </a:extLst>
+            </p:cNvPr>
+            <p:cNvSpPr/>
+            <p:nvPr/>
+          </p:nvSpPr>
+          <p:spPr>
+            <a:xfrm flipH="1">
+              <a:off x="1588029" y="4744102"/>
+              <a:ext cx="2475969" cy="193349"/>
+            </a:xfrm>
+            <a:prstGeom prst="rect">
+              <a:avLst/>
+            </a:prstGeom>
+            <a:solidFill>
+              <a:srgbClr val="FF0000">
+                <a:alpha val="12000"/>
+              </a:srgbClr>
+            </a:solidFill>
+            <a:ln w="9525">
+              <a:solidFill>
+                <a:srgbClr val="FF0000"/>
+              </a:solidFill>
+            </a:ln>
+          </p:spPr>
+          <p:style>
+            <a:lnRef idx="2">
+              <a:schemeClr val="accent6"/>
+            </a:lnRef>
+            <a:fillRef idx="1">
+              <a:schemeClr val="lt1"/>
+            </a:fillRef>
+            <a:effectRef idx="0">
+              <a:schemeClr val="accent6"/>
+            </a:effectRef>
+            <a:fontRef idx="minor">
+              <a:schemeClr val="dk1"/>
+            </a:fontRef>
+          </p:style>
+          <p:txBody>
+            <a:bodyPr rtlCol="0" anchor="ctr"/>
+            <a:lstStyle/>
+            <a:p>
+              <a:pPr algn="ctr"/>
+              <a:endParaRPr lang="en-US" dirty="0">
+                <a:solidFill>
+                  <a:srgbClr val="FF0000"/>
+                </a:solidFill>
+              </a:endParaRPr>
+            </a:p>
+          </p:txBody>
+        </p:sp>
+        <p:sp>
+          <p:nvSpPr>
+            <p:cNvPr id="13" name="Rectangle 12">
+              <a:extLst>
+                <a:ext uri="{FF2B5EF4-FFF2-40B4-BE49-F238E27FC236}">
+                  <a16:creationId xmlns:a16="http://schemas.microsoft.com/office/drawing/2014/main" id="{897436AE-4D87-F644-8B27-468507DD654F}"/>
+                </a:ext>
+              </a:extLst>
+            </p:cNvPr>
+            <p:cNvSpPr/>
+            <p:nvPr/>
+          </p:nvSpPr>
+          <p:spPr>
+            <a:xfrm flipH="1">
+              <a:off x="1588029" y="5547051"/>
+              <a:ext cx="2506450" cy="213669"/>
+            </a:xfrm>
+            <a:prstGeom prst="rect">
+              <a:avLst/>
+            </a:prstGeom>
+            <a:solidFill>
+              <a:srgbClr val="FF0000">
+                <a:alpha val="12000"/>
+              </a:srgbClr>
+            </a:solidFill>
+            <a:ln w="9525">
+              <a:solidFill>
+                <a:srgbClr val="FF0000"/>
+              </a:solidFill>
+            </a:ln>
+          </p:spPr>
+          <p:style>
+            <a:lnRef idx="2">
+              <a:schemeClr val="accent6"/>
+            </a:lnRef>
+            <a:fillRef idx="1">
+              <a:schemeClr val="lt1"/>
+            </a:fillRef>
+            <a:effectRef idx="0">
+              <a:schemeClr val="accent6"/>
+            </a:effectRef>
+            <a:fontRef idx="minor">
+              <a:schemeClr val="dk1"/>
+            </a:fontRef>
+          </p:style>
+          <p:txBody>
+            <a:bodyPr rtlCol="0" anchor="ctr"/>
+            <a:lstStyle/>
+            <a:p>
+              <a:pPr algn="ctr"/>
+              <a:endParaRPr lang="en-US" dirty="0">
+                <a:solidFill>
+                  <a:srgbClr val="FF0000"/>
+                </a:solidFill>
+              </a:endParaRPr>
+            </a:p>
+          </p:txBody>
+        </p:sp>
+        <p:sp>
+          <p:nvSpPr>
+            <p:cNvPr id="14" name="Rectangle 13">
+              <a:extLst>
+                <a:ext uri="{FF2B5EF4-FFF2-40B4-BE49-F238E27FC236}">
+                  <a16:creationId xmlns:a16="http://schemas.microsoft.com/office/drawing/2014/main" id="{66CDBF00-62C6-4C7B-81D0-C6D463D6EC8E}"/>
+                </a:ext>
+              </a:extLst>
+            </p:cNvPr>
+            <p:cNvSpPr/>
+            <p:nvPr/>
+          </p:nvSpPr>
+          <p:spPr>
+            <a:xfrm flipH="1">
+              <a:off x="1603269" y="6324445"/>
+              <a:ext cx="2475969" cy="193349"/>
+            </a:xfrm>
+            <a:prstGeom prst="rect">
+              <a:avLst/>
+            </a:prstGeom>
+            <a:solidFill>
+              <a:srgbClr val="FF0000">
+                <a:alpha val="12000"/>
+              </a:srgbClr>
+            </a:solidFill>
+            <a:ln w="9525">
+              <a:solidFill>
+                <a:srgbClr val="FF0000"/>
+              </a:solidFill>
+            </a:ln>
+          </p:spPr>
+          <p:style>
+            <a:lnRef idx="2">
+              <a:schemeClr val="accent6"/>
+            </a:lnRef>
+            <a:fillRef idx="1">
+              <a:schemeClr val="lt1"/>
+            </a:fillRef>
+            <a:effectRef idx="0">
+              <a:schemeClr val="accent6"/>
+            </a:effectRef>
+            <a:fontRef idx="minor">
+              <a:schemeClr val="dk1"/>
+            </a:fontRef>
+          </p:style>
+          <p:txBody>
+            <a:bodyPr rtlCol="0" anchor="ctr"/>
+            <a:lstStyle/>
+            <a:p>
+              <a:pPr algn="ctr"/>
+              <a:endParaRPr lang="en-US" dirty="0">
+                <a:solidFill>
+                  <a:srgbClr val="FF0000"/>
+                </a:solidFill>
+              </a:endParaRPr>
+            </a:p>
+          </p:txBody>
+        </p:sp>
+      </p:grpSp>
+      <p:grpSp>
+        <p:nvGrpSpPr>
+          <p:cNvPr id="15" name="Group 14">
+            <a:extLst>
+              <a:ext uri="{FF2B5EF4-FFF2-40B4-BE49-F238E27FC236}">
+                <a16:creationId xmlns:a16="http://schemas.microsoft.com/office/drawing/2014/main" id="{9F9E480D-DFB2-4B7C-B854-127EE73F1E37}"/>
+              </a:ext>
+            </a:extLst>
+          </p:cNvPr>
+          <p:cNvGrpSpPr/>
+          <p:nvPr/>
+        </p:nvGrpSpPr>
+        <p:grpSpPr>
+          <a:xfrm>
+            <a:off x="6802870" y="2292911"/>
+            <a:ext cx="4765904" cy="3713970"/>
+            <a:chOff x="6714896" y="2765050"/>
+            <a:chExt cx="4765904" cy="3713970"/>
+          </a:xfrm>
+        </p:grpSpPr>
+        <p:pic>
+          <p:nvPicPr>
+            <p:cNvPr id="8" name="Picture 7" descr="A collage of graphs&#10;&#10;Description automatically generated">
+              <a:extLst>
+                <a:ext uri="{FF2B5EF4-FFF2-40B4-BE49-F238E27FC236}">
+                  <a16:creationId xmlns:a16="http://schemas.microsoft.com/office/drawing/2014/main" id="{C2490325-53A3-48AB-63DD-39E6E2830024}"/>
+                </a:ext>
+              </a:extLst>
+            </p:cNvPr>
+            <p:cNvPicPr>
+              <a:picLocks noChangeAspect="1"/>
+            </p:cNvPicPr>
+            <p:nvPr/>
+          </p:nvPicPr>
+          <p:blipFill>
+            <a:blip r:embed="rId3">
+              <a:extLst>
+                <a:ext uri="{28A0092B-C50C-407E-A947-70E740481C1C}">
+                  <a14:useLocalDpi xmlns:a14="http://schemas.microsoft.com/office/drawing/2010/main" val="0"/>
+                </a:ext>
+              </a:extLst>
+            </a:blip>
+            <a:stretch>
+              <a:fillRect/>
+            </a:stretch>
+          </p:blipFill>
+          <p:spPr>
+            <a:xfrm>
+              <a:off x="6776402" y="2854651"/>
+              <a:ext cx="4704398" cy="3566469"/>
+            </a:xfrm>
+            <a:prstGeom prst="rect">
+              <a:avLst/>
+            </a:prstGeom>
+            <a:ln w="9525">
+              <a:solidFill>
+                <a:schemeClr val="tx1"/>
+              </a:solidFill>
+            </a:ln>
+          </p:spPr>
+        </p:pic>
+        <p:sp>
+          <p:nvSpPr>
+            <p:cNvPr id="9" name="Rectangle 8">
+              <a:extLst>
+                <a:ext uri="{FF2B5EF4-FFF2-40B4-BE49-F238E27FC236}">
+                  <a16:creationId xmlns:a16="http://schemas.microsoft.com/office/drawing/2014/main" id="{B35424EF-B830-2215-B3D3-A7B711EBFBCE}"/>
+                </a:ext>
+              </a:extLst>
+            </p:cNvPr>
+            <p:cNvSpPr/>
+            <p:nvPr/>
+          </p:nvSpPr>
+          <p:spPr>
+            <a:xfrm>
+              <a:off x="6714896" y="2765050"/>
+              <a:ext cx="4765904" cy="1237990"/>
+            </a:xfrm>
+            <a:prstGeom prst="rect">
+              <a:avLst/>
+            </a:prstGeom>
+            <a:solidFill>
+              <a:schemeClr val="accent6">
+                <a:lumMod val="50000"/>
+                <a:alpha val="6000"/>
+              </a:schemeClr>
+            </a:solidFill>
+            <a:ln w="9525"/>
+          </p:spPr>
+          <p:style>
+            <a:lnRef idx="2">
+              <a:schemeClr val="accent6"/>
+            </a:lnRef>
+            <a:fillRef idx="1">
+              <a:schemeClr val="lt1"/>
+            </a:fillRef>
+            <a:effectRef idx="0">
+              <a:schemeClr val="accent6"/>
+            </a:effectRef>
+            <a:fontRef idx="minor">
+              <a:schemeClr val="dk1"/>
+            </a:fontRef>
+          </p:style>
+          <p:txBody>
+            <a:bodyPr rtlCol="0" anchor="ctr"/>
+            <a:lstStyle/>
+            <a:p>
+              <a:pPr algn="ctr"/>
+              <a:r>
+                <a:rPr lang="en-US" dirty="0">
+                  <a:solidFill>
+                    <a:srgbClr val="FF0000"/>
+                  </a:solidFill>
+                </a:rPr>
+                <a:t>X</a:t>
+              </a:r>
+            </a:p>
+          </p:txBody>
+        </p:sp>
+        <p:sp>
+          <p:nvSpPr>
+            <p:cNvPr id="11" name="Rectangle 10">
+              <a:extLst>
+                <a:ext uri="{FF2B5EF4-FFF2-40B4-BE49-F238E27FC236}">
+                  <a16:creationId xmlns:a16="http://schemas.microsoft.com/office/drawing/2014/main" id="{EF0DDEF7-5C39-77D5-414F-14F95745F161}"/>
+                </a:ext>
+              </a:extLst>
+            </p:cNvPr>
+            <p:cNvSpPr/>
+            <p:nvPr/>
+          </p:nvSpPr>
+          <p:spPr>
+            <a:xfrm>
+              <a:off x="10240962" y="2765050"/>
+              <a:ext cx="1239837" cy="3713970"/>
+            </a:xfrm>
+            <a:prstGeom prst="rect">
+              <a:avLst/>
+            </a:prstGeom>
+            <a:solidFill>
+              <a:srgbClr val="FF0000">
+                <a:alpha val="21000"/>
+              </a:srgbClr>
+            </a:solidFill>
+            <a:ln w="9525">
+              <a:solidFill>
+                <a:srgbClr val="FF0000"/>
+              </a:solidFill>
+            </a:ln>
+          </p:spPr>
+          <p:style>
+            <a:lnRef idx="2">
+              <a:schemeClr val="accent6"/>
+            </a:lnRef>
+            <a:fillRef idx="1">
+              <a:schemeClr val="lt1"/>
+            </a:fillRef>
+            <a:effectRef idx="0">
+              <a:schemeClr val="accent6"/>
+            </a:effectRef>
+            <a:fontRef idx="minor">
+              <a:schemeClr val="dk1"/>
+            </a:fontRef>
+          </p:style>
+          <p:txBody>
+            <a:bodyPr rtlCol="0" anchor="ctr"/>
+            <a:lstStyle/>
+            <a:p>
+              <a:pPr algn="ctr"/>
+              <a:r>
+                <a:rPr lang="en-US" dirty="0">
+                  <a:solidFill>
+                    <a:srgbClr val="FF0000"/>
+                  </a:solidFill>
+                </a:rPr>
+                <a:t>Freq</a:t>
+              </a:r>
+            </a:p>
+          </p:txBody>
+        </p:sp>
+      </p:grpSp>
     </p:spTree>
     <p:extLst>
       <p:ext uri="{BB962C8B-B14F-4D97-AF65-F5344CB8AC3E}">

--- a/Final Presentation.pptx
+++ b/Final Presentation.pptx
@@ -199,7 +199,7 @@
           <a:p>
             <a:fld id="{C7105C34-F3AC-49A8-9226-A94F4AD4AB12}" type="datetimeFigureOut">
               <a:rPr lang="en-US" smtClean="0"/>
-              <a:t>10/21/2023</a:t>
+              <a:t>10/22/2023</a:t>
             </a:fld>
             <a:endParaRPr lang="en-US"/>
           </a:p>
@@ -1559,7 +1559,7 @@
           <a:p>
             <a:fld id="{FAEBB58C-F011-4C81-A695-0FF3B85F8B5E}" type="datetimeFigureOut">
               <a:rPr lang="en-US" smtClean="0"/>
-              <a:t>10/21/2023</a:t>
+              <a:t>10/22/2023</a:t>
             </a:fld>
             <a:endParaRPr lang="en-US"/>
           </a:p>
@@ -1757,7 +1757,7 @@
           <a:p>
             <a:fld id="{FAEBB58C-F011-4C81-A695-0FF3B85F8B5E}" type="datetimeFigureOut">
               <a:rPr lang="en-US" smtClean="0"/>
-              <a:t>10/21/2023</a:t>
+              <a:t>10/22/2023</a:t>
             </a:fld>
             <a:endParaRPr lang="en-US"/>
           </a:p>
@@ -1965,7 +1965,7 @@
           <a:p>
             <a:fld id="{FAEBB58C-F011-4C81-A695-0FF3B85F8B5E}" type="datetimeFigureOut">
               <a:rPr lang="en-US" smtClean="0"/>
-              <a:t>10/21/2023</a:t>
+              <a:t>10/22/2023</a:t>
             </a:fld>
             <a:endParaRPr lang="en-US"/>
           </a:p>
@@ -2163,7 +2163,7 @@
           <a:p>
             <a:fld id="{FAEBB58C-F011-4C81-A695-0FF3B85F8B5E}" type="datetimeFigureOut">
               <a:rPr lang="en-US" smtClean="0"/>
-              <a:t>10/21/2023</a:t>
+              <a:t>10/22/2023</a:t>
             </a:fld>
             <a:endParaRPr lang="en-US"/>
           </a:p>
@@ -2438,7 +2438,7 @@
           <a:p>
             <a:fld id="{FAEBB58C-F011-4C81-A695-0FF3B85F8B5E}" type="datetimeFigureOut">
               <a:rPr lang="en-US" smtClean="0"/>
-              <a:t>10/21/2023</a:t>
+              <a:t>10/22/2023</a:t>
             </a:fld>
             <a:endParaRPr lang="en-US"/>
           </a:p>
@@ -2703,7 +2703,7 @@
           <a:p>
             <a:fld id="{FAEBB58C-F011-4C81-A695-0FF3B85F8B5E}" type="datetimeFigureOut">
               <a:rPr lang="en-US" smtClean="0"/>
-              <a:t>10/21/2023</a:t>
+              <a:t>10/22/2023</a:t>
             </a:fld>
             <a:endParaRPr lang="en-US"/>
           </a:p>
@@ -3115,7 +3115,7 @@
           <a:p>
             <a:fld id="{FAEBB58C-F011-4C81-A695-0FF3B85F8B5E}" type="datetimeFigureOut">
               <a:rPr lang="en-US" smtClean="0"/>
-              <a:t>10/21/2023</a:t>
+              <a:t>10/22/2023</a:t>
             </a:fld>
             <a:endParaRPr lang="en-US"/>
           </a:p>
@@ -3256,7 +3256,7 @@
           <a:p>
             <a:fld id="{FAEBB58C-F011-4C81-A695-0FF3B85F8B5E}" type="datetimeFigureOut">
               <a:rPr lang="en-US" smtClean="0"/>
-              <a:t>10/21/2023</a:t>
+              <a:t>10/22/2023</a:t>
             </a:fld>
             <a:endParaRPr lang="en-US"/>
           </a:p>
@@ -3369,7 +3369,7 @@
           <a:p>
             <a:fld id="{FAEBB58C-F011-4C81-A695-0FF3B85F8B5E}" type="datetimeFigureOut">
               <a:rPr lang="en-US" smtClean="0"/>
-              <a:t>10/21/2023</a:t>
+              <a:t>10/22/2023</a:t>
             </a:fld>
             <a:endParaRPr lang="en-US"/>
           </a:p>
@@ -3680,7 +3680,7 @@
           <a:p>
             <a:fld id="{FAEBB58C-F011-4C81-A695-0FF3B85F8B5E}" type="datetimeFigureOut">
               <a:rPr lang="en-US" smtClean="0"/>
-              <a:t>10/21/2023</a:t>
+              <a:t>10/22/2023</a:t>
             </a:fld>
             <a:endParaRPr lang="en-US"/>
           </a:p>
@@ -3968,7 +3968,7 @@
           <a:p>
             <a:fld id="{FAEBB58C-F011-4C81-A695-0FF3B85F8B5E}" type="datetimeFigureOut">
               <a:rPr lang="en-US" smtClean="0"/>
-              <a:t>10/21/2023</a:t>
+              <a:t>10/22/2023</a:t>
             </a:fld>
             <a:endParaRPr lang="en-US"/>
           </a:p>
@@ -4209,7 +4209,7 @@
           <a:p>
             <a:fld id="{FAEBB58C-F011-4C81-A695-0FF3B85F8B5E}" type="datetimeFigureOut">
               <a:rPr lang="en-US" smtClean="0"/>
-              <a:t>10/21/2023</a:t>
+              <a:t>10/22/2023</a:t>
             </a:fld>
             <a:endParaRPr lang="en-US"/>
           </a:p>
@@ -4963,7 +4963,7 @@
           </p:cNvPicPr>
           <p:nvPr/>
         </p:nvPicPr>
-        <p:blipFill>
+        <p:blipFill rotWithShape="1">
           <a:blip r:embed="rId2">
             <a:extLst>
               <a:ext uri="{28A0092B-C50C-407E-A947-70E740481C1C}">
@@ -4971,14 +4971,13 @@
               </a:ext>
             </a:extLst>
           </a:blip>
-          <a:stretch>
-            <a:fillRect/>
-          </a:stretch>
+          <a:srcRect b="66356"/>
+          <a:stretch/>
         </p:blipFill>
         <p:spPr>
           <a:xfrm>
-            <a:off x="8048587" y="101600"/>
-            <a:ext cx="9046135" cy="6858000"/>
+            <a:off x="2719015" y="3886200"/>
+            <a:ext cx="9046135" cy="2307265"/>
           </a:xfrm>
           <a:prstGeom prst="rect">
             <a:avLst/>
@@ -4999,7 +4998,7 @@
           </p:cNvPicPr>
           <p:nvPr/>
         </p:nvPicPr>
-        <p:blipFill>
+        <p:blipFill rotWithShape="1">
           <a:blip r:embed="rId3">
             <a:extLst>
               <a:ext uri="{28A0092B-C50C-407E-A947-70E740481C1C}">
@@ -5007,14 +5006,13 @@
               </a:ext>
             </a:extLst>
           </a:blip>
-          <a:stretch>
-            <a:fillRect/>
-          </a:stretch>
+          <a:srcRect b="66356"/>
+          <a:stretch/>
         </p:blipFill>
         <p:spPr>
           <a:xfrm>
-            <a:off x="-997548" y="66040"/>
-            <a:ext cx="9046135" cy="6858000"/>
+            <a:off x="2719014" y="913917"/>
+            <a:ext cx="9046135" cy="2307265"/>
           </a:xfrm>
           <a:prstGeom prst="rect">
             <a:avLst/>
@@ -5513,6 +5511,81 @@
           </p:txBody>
         </p:sp>
       </p:grpSp>
+      <p:sp>
+        <p:nvSpPr>
+          <p:cNvPr id="2" name="TextBox 1">
+            <a:extLst>
+              <a:ext uri="{FF2B5EF4-FFF2-40B4-BE49-F238E27FC236}">
+                <a16:creationId xmlns:a16="http://schemas.microsoft.com/office/drawing/2014/main" id="{E92C2660-3354-28B1-BD17-8374FAA1227A}"/>
+              </a:ext>
+            </a:extLst>
+          </p:cNvPr>
+          <p:cNvSpPr txBox="1"/>
+          <p:nvPr/>
+        </p:nvSpPr>
+        <p:spPr>
+          <a:xfrm>
+            <a:off x="585259" y="353291"/>
+            <a:ext cx="9504314" cy="369332"/>
+          </a:xfrm>
+          <a:prstGeom prst="rect">
+            <a:avLst/>
+          </a:prstGeom>
+          <a:noFill/>
+        </p:spPr>
+        <p:txBody>
+          <a:bodyPr wrap="square" rtlCol="0">
+            <a:spAutoFit/>
+          </a:bodyPr>
+          <a:lstStyle/>
+          <a:p>
+            <a:r>
+              <a:rPr lang="en-US" dirty="0"/>
+              <a:t>Technical part</a:t>
+            </a:r>
+          </a:p>
+        </p:txBody>
+      </p:sp>
+      <p:sp>
+        <p:nvSpPr>
+          <p:cNvPr id="3" name="TextBox 2">
+            <a:extLst>
+              <a:ext uri="{FF2B5EF4-FFF2-40B4-BE49-F238E27FC236}">
+                <a16:creationId xmlns:a16="http://schemas.microsoft.com/office/drawing/2014/main" id="{EBC70FBF-52F3-3AE0-62A3-66CAD7FC3252}"/>
+              </a:ext>
+            </a:extLst>
+          </p:cNvPr>
+          <p:cNvSpPr txBox="1"/>
+          <p:nvPr/>
+        </p:nvSpPr>
+        <p:spPr>
+          <a:xfrm>
+            <a:off x="585259" y="966355"/>
+            <a:ext cx="3571105" cy="369332"/>
+          </a:xfrm>
+          <a:prstGeom prst="rect">
+            <a:avLst/>
+          </a:prstGeom>
+          <a:noFill/>
+        </p:spPr>
+        <p:txBody>
+          <a:bodyPr wrap="square" rtlCol="0">
+            <a:spAutoFit/>
+          </a:bodyPr>
+          <a:lstStyle/>
+          <a:p>
+            <a:r>
+              <a:rPr lang="en-US" dirty="0"/>
+              <a:t>nested For loop, create 3 by 4 </a:t>
+            </a:r>
+            <a:r>
+              <a:rPr lang="en-US" dirty="0" err="1"/>
+              <a:t>grap</a:t>
+            </a:r>
+            <a:endParaRPr lang="en-US" dirty="0"/>
+          </a:p>
+        </p:txBody>
+      </p:sp>
     </p:spTree>
     <p:extLst>
       <p:ext uri="{BB962C8B-B14F-4D97-AF65-F5344CB8AC3E}">
